--- a/slides/Methods & Other Stuff.pptx
+++ b/slides/Methods & Other Stuff.pptx
@@ -204,7 +204,7 @@
           <a:p>
             <a:fld id="{0D643EBB-AE07-F44C-BA8E-4B9A6B0B9B56}" type="datetimeFigureOut">
               <a:rPr lang="en-US" smtClean="0"/>
-              <a:t>8/10/18</a:t>
+              <a:t>8/12/18</a:t>
             </a:fld>
             <a:endParaRPr lang="en-US"/>
           </a:p>
@@ -1684,7 +1684,7 @@
             <a:fld id="{9334D819-9F07-4261-B09B-9E467E5D9002}" type="datetimeFigureOut">
               <a:rPr lang="en-US" dirty="0"/>
               <a:pPr/>
-              <a:t>8/10/18</a:t>
+              <a:t>8/12/18</a:t>
             </a:fld>
             <a:endParaRPr lang="en-US" dirty="0"/>
           </a:p>
@@ -1918,7 +1918,7 @@
           <a:p>
             <a:fld id="{9334D819-9F07-4261-B09B-9E467E5D9002}" type="datetimeFigureOut">
               <a:rPr lang="en-US" dirty="0"/>
-              <a:t>8/10/18</a:t>
+              <a:t>8/12/18</a:t>
             </a:fld>
             <a:endParaRPr lang="en-US" dirty="0"/>
           </a:p>
@@ -2093,7 +2093,7 @@
           <a:p>
             <a:fld id="{9334D819-9F07-4261-B09B-9E467E5D9002}" type="datetimeFigureOut">
               <a:rPr lang="en-US" dirty="0"/>
-              <a:t>8/10/18</a:t>
+              <a:t>8/12/18</a:t>
             </a:fld>
             <a:endParaRPr lang="en-US" dirty="0"/>
           </a:p>
@@ -2258,7 +2258,7 @@
           <a:p>
             <a:fld id="{9334D819-9F07-4261-B09B-9E467E5D9002}" type="datetimeFigureOut">
               <a:rPr lang="en-US" dirty="0"/>
-              <a:t>8/10/18</a:t>
+              <a:t>8/12/18</a:t>
             </a:fld>
             <a:endParaRPr lang="en-US" dirty="0"/>
           </a:p>
@@ -2530,7 +2530,7 @@
             <a:fld id="{9334D819-9F07-4261-B09B-9E467E5D9002}" type="datetimeFigureOut">
               <a:rPr lang="en-US" dirty="0"/>
               <a:pPr/>
-              <a:t>8/10/18</a:t>
+              <a:t>8/12/18</a:t>
             </a:fld>
             <a:endParaRPr lang="en-US" dirty="0"/>
           </a:p>
@@ -3727,7 +3727,7 @@
           <a:p>
             <a:fld id="{9334D819-9F07-4261-B09B-9E467E5D9002}" type="datetimeFigureOut">
               <a:rPr lang="en-US" dirty="0"/>
-              <a:t>8/10/18</a:t>
+              <a:t>8/12/18</a:t>
             </a:fld>
             <a:endParaRPr lang="en-US" dirty="0"/>
           </a:p>
@@ -4112,7 +4112,7 @@
           <a:p>
             <a:fld id="{9334D819-9F07-4261-B09B-9E467E5D9002}" type="datetimeFigureOut">
               <a:rPr lang="en-US" dirty="0"/>
-              <a:t>8/10/18</a:t>
+              <a:t>8/12/18</a:t>
             </a:fld>
             <a:endParaRPr lang="en-US" dirty="0"/>
           </a:p>
@@ -4230,7 +4230,7 @@
           <a:p>
             <a:fld id="{9334D819-9F07-4261-B09B-9E467E5D9002}" type="datetimeFigureOut">
               <a:rPr lang="en-US" dirty="0"/>
-              <a:t>8/10/18</a:t>
+              <a:t>8/12/18</a:t>
             </a:fld>
             <a:endParaRPr lang="en-US" dirty="0"/>
           </a:p>
@@ -4320,7 +4320,7 @@
           <a:p>
             <a:fld id="{9334D819-9F07-4261-B09B-9E467E5D9002}" type="datetimeFigureOut">
               <a:rPr lang="en-US" dirty="0"/>
-              <a:t>8/10/18</a:t>
+              <a:t>8/12/18</a:t>
             </a:fld>
             <a:endParaRPr lang="en-US" dirty="0"/>
           </a:p>
@@ -5078,7 +5078,7 @@
           <a:p>
             <a:fld id="{9334D819-9F07-4261-B09B-9E467E5D9002}" type="datetimeFigureOut">
               <a:rPr lang="en-US" dirty="0"/>
-              <a:t>8/10/18</a:t>
+              <a:t>8/12/18</a:t>
             </a:fld>
             <a:endParaRPr lang="en-US" dirty="0"/>
           </a:p>
@@ -5913,7 +5913,7 @@
           <a:p>
             <a:fld id="{9334D819-9F07-4261-B09B-9E467E5D9002}" type="datetimeFigureOut">
               <a:rPr lang="en-US" dirty="0"/>
-              <a:t>8/10/18</a:t>
+              <a:t>8/12/18</a:t>
             </a:fld>
             <a:endParaRPr lang="en-US" dirty="0"/>
           </a:p>
@@ -6136,7 +6136,7 @@
             <a:fld id="{9334D819-9F07-4261-B09B-9E467E5D9002}" type="datetimeFigureOut">
               <a:rPr lang="en-US" dirty="0"/>
               <a:pPr/>
-              <a:t>8/10/18</a:t>
+              <a:t>8/12/18</a:t>
             </a:fld>
             <a:endParaRPr lang="en-US" dirty="0"/>
           </a:p>
@@ -7182,16 +7182,26 @@
           <a:lstStyle/>
           <a:p>
             <a:r>
-              <a:rPr lang="en-US" dirty="0" smtClean="0"/>
-              <a:t>Slides created by </a:t>
-            </a:r>
-            <a:r>
-              <a:rPr lang="en-US" dirty="0" err="1" smtClean="0"/>
+              <a:rPr lang="en-US" dirty="0"/>
+              <a:t>by </a:t>
+            </a:r>
+            <a:r>
+              <a:rPr lang="en-US" dirty="0" err="1"/>
               <a:t>annemarie</a:t>
             </a:r>
             <a:r>
-              <a:rPr lang="en-US" dirty="0" smtClean="0"/>
+              <a:rPr lang="en-US" dirty="0"/>
               <a:t> caballero</a:t>
+            </a:r>
+          </a:p>
+          <a:p>
+            <a:r>
+              <a:rPr lang="en-US" dirty="0"/>
+              <a:t>I.T. </a:t>
+            </a:r>
+            <a:r>
+              <a:rPr lang="en-US"/>
+              <a:t>Girls august 13-17</a:t>
             </a:r>
             <a:endParaRPr lang="en-US" dirty="0"/>
           </a:p>
@@ -7207,13 +7217,6 @@
   <p:clrMapOvr>
     <a:masterClrMapping/>
   </p:clrMapOvr>
-  <p:timing>
-    <p:tnLst>
-      <p:par>
-        <p:cTn id="1" dur="indefinite" restart="never" nodeType="tmRoot"/>
-      </p:par>
-    </p:tnLst>
-  </p:timing>
 </p:sld>
 </file>
 
@@ -8429,15 +8432,7 @@
                   <a:schemeClr val="accent1"/>
                 </a:solidFill>
               </a:rPr>
-              <a:t>Reusable (do </a:t>
-            </a:r>
-            <a:r>
-              <a:rPr lang="en-US" sz="3600" dirty="0" smtClean="0">
-                <a:solidFill>
-                  <a:schemeClr val="accent1"/>
-                </a:solidFill>
-              </a:rPr>
-              <a:t>less work)</a:t>
+              <a:t>Reusable (do less work)</a:t>
             </a:r>
           </a:p>
           <a:p>
@@ -8994,21 +8989,8 @@
                   <a:schemeClr val="bg1"/>
                 </a:solidFill>
               </a:rPr>
-              <a:t>omments are written using </a:t>
-            </a:r>
-            <a:r>
-              <a:rPr lang="en-US" sz="3000" dirty="0" smtClean="0">
-                <a:solidFill>
-                  <a:schemeClr val="bg1"/>
-                </a:solidFill>
-              </a:rPr>
-              <a:t>// or /* */</a:t>
-            </a:r>
-            <a:endParaRPr lang="en-US" sz="3000" dirty="0" smtClean="0">
-              <a:solidFill>
-                <a:schemeClr val="bg1"/>
-              </a:solidFill>
-            </a:endParaRPr>
+              <a:t>omments are written using // or /* */</a:t>
+            </a:r>
           </a:p>
           <a:p>
             <a:pPr>
@@ -9205,15 +9187,7 @@
                   <a:schemeClr val="bg1"/>
                 </a:solidFill>
               </a:rPr>
-              <a:t> = “Hello World</a:t>
-            </a:r>
-            <a:r>
-              <a:rPr lang="en-US" sz="2600" dirty="0" smtClean="0">
-                <a:solidFill>
-                  <a:schemeClr val="bg1"/>
-                </a:solidFill>
-              </a:rPr>
-              <a:t>”;</a:t>
+              <a:t> = “Hello World”;</a:t>
             </a:r>
           </a:p>
           <a:p>
@@ -11937,23 +11911,7 @@
                   <a:srgbClr val="F3F3F2"/>
                 </a:solidFill>
               </a:rPr>
-              <a:t>when you </a:t>
-            </a:r>
-            <a:r>
-              <a:rPr lang="en-US" sz="3200" b="1" spc="400" dirty="0" smtClean="0">
-                <a:solidFill>
-                  <a:srgbClr val="F3F3F2"/>
-                </a:solidFill>
-              </a:rPr>
-              <a:t>use(run, execute) </a:t>
-            </a:r>
-            <a:r>
-              <a:rPr lang="en-US" sz="3200" b="1" spc="400" dirty="0" smtClean="0">
-                <a:solidFill>
-                  <a:srgbClr val="F3F3F2"/>
-                </a:solidFill>
-              </a:rPr>
-              <a:t>a method inside another method</a:t>
+              <a:t>when you use(run, execute) a method inside another method</a:t>
             </a:r>
             <a:endParaRPr lang="en-US" sz="3200" b="1" spc="400" dirty="0">
               <a:solidFill>
@@ -12096,8 +12054,12 @@
           <a:lstStyle/>
           <a:p>
             <a:r>
+              <a:rPr lang="en-US" smtClean="0"/>
+              <a:t>Common Compiler </a:t>
+            </a:r>
+            <a:r>
               <a:rPr lang="en-US" dirty="0" smtClean="0"/>
-              <a:t>Common Compiler errors</a:t>
+              <a:t>errors</a:t>
             </a:r>
             <a:endParaRPr lang="en-US" dirty="0"/>
           </a:p>
